--- a/report_gen/templates/fast-template.pptx
+++ b/report_gen/templates/fast-template.pptx
@@ -7145,7 +7145,7 @@
           <a:bodyPr lIns="457200" tIns="274320" bIns="91440"/>
           <a:lstStyle>
             <a:lvl1pPr>
-              <a:defRPr sz="4000" b="1">
+              <a:defRPr sz="3200" b="1">
                 <a:solidFill>
                   <a:srgbClr val="005288"/>
                 </a:solidFill>
